--- a/project-ppt.pptx
+++ b/project-ppt.pptx
@@ -217,7 +217,7 @@
           <a:p>
             <a:fld id="{44B65459-4C01-9248-BDAA-F28591FAF6F5}" type="datetimeFigureOut">
               <a:rPr lang="en-US" smtClean="0"/>
-              <a:t>10/18/2020</a:t>
+              <a:t>11/17/2020</a:t>
             </a:fld>
             <a:endParaRPr lang="en-US"/>
           </a:p>
@@ -930,7 +930,7 @@
           <a:lstStyle/>
           <a:p>
             <a:fld id="{F2BA1449-FF33-47E8-A8FC-DF6E712B0B00}" type="datetime1">
-              <a:t>10/18/2020</a:t>
+              <a:t>11/17/2020</a:t>
             </a:fld>
             <a:endParaRPr lang="en-US" dirty="0"/>
           </a:p>
@@ -1119,7 +1119,7 @@
           <a:lstStyle/>
           <a:p>
             <a:fld id="{7E87176F-A61A-41B8-B3BE-453E6831C058}" type="datetime1">
-              <a:t>10/18/2020</a:t>
+              <a:t>11/17/2020</a:t>
             </a:fld>
             <a:endParaRPr lang="en-US" dirty="0"/>
           </a:p>
@@ -4195,7 +4195,7 @@
         </p:nvSpPr>
         <p:spPr>
           <a:xfrm>
-            <a:off x="885823" y="895350"/>
+            <a:off x="990600" y="819151"/>
             <a:ext cx="7362415" cy="2160613"/>
           </a:xfrm>
         </p:spPr>
@@ -4207,7 +4207,7 @@
           <a:p>
             <a:r>
               <a:rPr lang="en-US" sz="3200" dirty="0"/>
-              <a:t>Fast Rerouting Algorithm using Hypergraph in Distributed Computer Networks Based on Subnet Routing Method </a:t>
+              <a:t>Advanced Novel Image Encryption Algorithm using AES and Visual Cryptography</a:t>
             </a:r>
           </a:p>
         </p:txBody>
@@ -4402,8 +4402,8 @@
         </p:nvSpPr>
         <p:spPr>
           <a:xfrm>
-            <a:off x="3276600" y="1123950"/>
-            <a:ext cx="5257800" cy="3173946"/>
+            <a:off x="3382115" y="1277838"/>
+            <a:ext cx="5257800" cy="2866169"/>
           </a:xfrm>
           <a:prstGeom prst="rect">
             <a:avLst/>
@@ -4456,7 +4456,7 @@
                 </a:solidFill>
                 <a:latin typeface="Times New Roman"/>
               </a:rPr>
-              <a:t>The speed of the network Re-Routing algorithm in Distributed computing system should be improved.</a:t>
+              <a:t>To update the existing image encryption algorithm using AES and visual cryptography</a:t>
             </a:r>
           </a:p>
           <a:p>
@@ -4495,7 +4495,7 @@
                 </a:solidFill>
                 <a:latin typeface="Times New Roman"/>
               </a:rPr>
-              <a:t>The objective is to implement the hypergraph based graph implementation which scales us to more complex graph structures.</a:t>
+              <a:t>The objective is to implement the various approaches to improve the encryption of the images</a:t>
             </a:r>
           </a:p>
           <a:p>
@@ -4617,7 +4617,7 @@
         <p:spPr>
           <a:xfrm>
             <a:off x="609600" y="1276350"/>
-            <a:ext cx="7848600" cy="2585323"/>
+            <a:ext cx="7848600" cy="2308324"/>
           </a:xfrm>
           <a:prstGeom prst="rect">
             <a:avLst/>
@@ -4632,7 +4632,7 @@
           <a:p>
             <a:r>
               <a:rPr lang="en-US" dirty="0"/>
-              <a:t>Rerouting processes are considered to be especially important in modern computer networks. To provide the quality of service (QoS) in conditions of network equipment overloads and failures the rerouting protocols used must provide continuous access to the network for end users. One of effective approaches of support of fault-tolerant routing is use of subnet routing method. The purpose of work is development of mathematical model and fast rerouting algorithm using hypergraph of data flows on the distributed computer networks based on subnet routing method. In the work the program emulator is developed and the comparative analysis of efficiency of the offered approach with some known algorithms of fast rerouting is carried out. </a:t>
+              <a:t>	With the current emergence of the Internet, there is a need to securely transfer images between systems. In this context, we propose a secure image encryption algorithm that uses both AES and Visual Cryptographic techniques to protect the image. The image is encrypted using AES and an encoding schema has been proposed to convert the key into shares based on Visual Secret Sharing. The cryptanalysis of the algorithm is then performed and is proved to be secure. The proposed algorithm is then implemented using python and the results are discussed along with the possible future modifications. </a:t>
             </a:r>
             <a:endParaRPr lang="en-IN" dirty="0"/>
           </a:p>
@@ -4744,7 +4744,7 @@
         <p:spPr>
           <a:xfrm>
             <a:off x="3657600" y="1581150"/>
-            <a:ext cx="4800600" cy="1754326"/>
+            <a:ext cx="4800600" cy="1200329"/>
           </a:xfrm>
           <a:prstGeom prst="rect">
             <a:avLst/>
@@ -4766,8 +4766,8 @@
               <a:t>Title:  </a:t>
             </a:r>
             <a:r>
-              <a:rPr lang="en-US" i="1" dirty="0"/>
-              <a:t>Fast Rerouting Algorithm in Distributed Computer Networks Based on Subnet Routing Method</a:t>
+              <a:rPr lang="en-US" dirty="0"/>
+              <a:t>A Novel Image Encryption Algorithm using AES and Visual Cryptography</a:t>
             </a:r>
           </a:p>
           <a:p>
@@ -4781,7 +4781,7 @@
             </a:r>
             <a:r>
               <a:rPr lang="en-US" i="1" dirty="0"/>
-              <a:t>https://ieeexplore.ieee.org/abstract/document/7936648</a:t>
+              <a:t>https://ieeexplore.ieee.org/document/7877521</a:t>
             </a:r>
             <a:endParaRPr lang="en-IN" i="1" dirty="0"/>
           </a:p>
@@ -4892,7 +4892,7 @@
         </p:nvSpPr>
         <p:spPr>
           <a:xfrm>
-            <a:off x="4114800" y="1428750"/>
+            <a:off x="4114800" y="1504950"/>
             <a:ext cx="4343400" cy="1200329"/>
           </a:xfrm>
           <a:prstGeom prst="rect">
@@ -4922,7 +4922,7 @@
             </a:pPr>
             <a:r>
               <a:rPr lang="en-US" sz="2400" dirty="0"/>
-              <a:t>Emulator (used by the authors of the base papers)</a:t>
+              <a:t>Tkinter package(An GUI for the Real time Example)</a:t>
             </a:r>
           </a:p>
         </p:txBody>

--- a/project-ppt.pptx
+++ b/project-ppt.pptx
@@ -217,7 +217,7 @@
           <a:p>
             <a:fld id="{44B65459-4C01-9248-BDAA-F28591FAF6F5}" type="datetimeFigureOut">
               <a:rPr lang="en-US" smtClean="0"/>
-              <a:t>11/17/2020</a:t>
+              <a:t>11/30/2020</a:t>
             </a:fld>
             <a:endParaRPr lang="en-US"/>
           </a:p>
@@ -930,7 +930,7 @@
           <a:lstStyle/>
           <a:p>
             <a:fld id="{F2BA1449-FF33-47E8-A8FC-DF6E712B0B00}" type="datetime1">
-              <a:t>11/17/2020</a:t>
+              <a:t>11/30/2020</a:t>
             </a:fld>
             <a:endParaRPr lang="en-US" dirty="0"/>
           </a:p>
@@ -1119,7 +1119,7 @@
           <a:lstStyle/>
           <a:p>
             <a:fld id="{7E87176F-A61A-41B8-B3BE-453E6831C058}" type="datetime1">
-              <a:t>11/17/2020</a:t>
+              <a:t>11/30/2020</a:t>
             </a:fld>
             <a:endParaRPr lang="en-US" dirty="0"/>
           </a:p>
@@ -4207,7 +4207,7 @@
           <a:p>
             <a:r>
               <a:rPr lang="en-US" sz="3200" dirty="0"/>
-              <a:t>Advanced Novel Image Encryption Algorithm using AES and Visual Cryptography</a:t>
+              <a:t>Advanced Secure AND Reliable tcp/udp data transmission </a:t>
             </a:r>
           </a:p>
         </p:txBody>
@@ -4230,7 +4230,7 @@
         </p:spPr>
         <p:txBody>
           <a:bodyPr rot="10800000" rtlCol="0">
-            <a:normAutofit/>
+            <a:normAutofit lnSpcReduction="10000"/>
           </a:bodyPr>
           <a:lstStyle/>
           <a:p>
@@ -4245,7 +4245,21 @@
           <a:p>
             <a:r>
               <a:rPr lang="en-US" dirty="0"/>
-              <a:t>B. Aakash (122003004)</a:t>
+              <a:t>B. </a:t>
+            </a:r>
+            <a:r>
+              <a:rPr lang="en-US"/>
+              <a:t>Aakash </a:t>
+            </a:r>
+          </a:p>
+          <a:p>
+            <a:r>
+              <a:rPr lang="en-US"/>
+              <a:t>(</a:t>
+            </a:r>
+            <a:r>
+              <a:rPr lang="en-US" dirty="0"/>
+              <a:t>122003004)</a:t>
             </a:r>
           </a:p>
           <a:p>
@@ -4402,8 +4416,8 @@
         </p:nvSpPr>
         <p:spPr>
           <a:xfrm>
-            <a:off x="3382115" y="1277838"/>
-            <a:ext cx="5257800" cy="2866169"/>
+            <a:off x="3382115" y="1431726"/>
+            <a:ext cx="5257800" cy="2558393"/>
           </a:xfrm>
           <a:prstGeom prst="rect">
             <a:avLst/>
@@ -4456,7 +4470,7 @@
                 </a:solidFill>
                 <a:latin typeface="Times New Roman"/>
               </a:rPr>
-              <a:t>To update the existing image encryption algorithm using AES and visual cryptography</a:t>
+              <a:t>To transmit reliable and secure the data using tcp/udp protocol.</a:t>
             </a:r>
           </a:p>
           <a:p>
@@ -4495,13 +4509,8 @@
                 </a:solidFill>
                 <a:latin typeface="Times New Roman"/>
               </a:rPr>
-              <a:t>The objective is to implement the various approaches to improve the encryption of the images</a:t>
-            </a:r>
-          </a:p>
-          <a:p>
-            <a:pPr>
-              <a:defRPr lang="en-US" sz="1400" dirty="0"/>
-            </a:pPr>
+              <a:t>The objective is to implement real time transmission of encrypted data with reliable Queue based udp transmission</a:t>
+            </a:r>
             <a:endParaRPr lang="en-US" sz="2000" b="1" dirty="0">
               <a:solidFill>
                 <a:srgbClr val="000000"/>
@@ -4617,7 +4626,7 @@
         <p:spPr>
           <a:xfrm>
             <a:off x="609600" y="1276350"/>
-            <a:ext cx="7848600" cy="2308324"/>
+            <a:ext cx="7848600" cy="2862322"/>
           </a:xfrm>
           <a:prstGeom prst="rect">
             <a:avLst/>
@@ -4632,7 +4641,7 @@
           <a:p>
             <a:r>
               <a:rPr lang="en-US" dirty="0"/>
-              <a:t>	With the current emergence of the Internet, there is a need to securely transfer images between systems. In this context, we propose a secure image encryption algorithm that uses both AES and Visual Cryptographic techniques to protect the image. The image is encrypted using AES and an encoding schema has been proposed to convert the key into shares based on Visual Secret Sharing. The cryptanalysis of the algorithm is then performed and is proved to be secure. The proposed algorithm is then implemented using python and the results are discussed along with the possible future modifications. </a:t>
+              <a:t>	 In real-time control systems, a fast and reliable data transmission mechanism is necessary. This paper analyzes the advantages and disadvantages of the existing data transmission protocol and proposes a data transmission protocol called Deque-ERUDP (Deque Efficient and Reliable Protocol Based on UDP) which can guarantee encrypted data transmission reliability and efficiency. The proposed protocol uses double sub-queue data transmission and acknowledgment mechanism. This protocol controls TIQ (Timeout Interval of Queue) and TIP (Timeout Interval of Packet) dynamically to avoid network congestion. By comparing the results of simulation experiment, it really verifies the feasibility of Deque-ERUDP and improves the reliability of data transmission very well. </a:t>
             </a:r>
             <a:endParaRPr lang="en-IN" dirty="0"/>
           </a:p>
@@ -4767,8 +4776,11 @@
             </a:r>
             <a:r>
               <a:rPr lang="en-US" dirty="0"/>
-              <a:t>A Novel Image Encryption Algorithm using AES and Visual Cryptography</a:t>
-            </a:r>
+              <a:t>A UDP-based Way to Improve Data Transmission Reliability </a:t>
+            </a:r>
+          </a:p>
+          <a:p>
+            <a:endParaRPr lang="en-US" dirty="0"/>
           </a:p>
           <a:p>
             <a:pPr marL="285750" indent="-285750">
@@ -4780,8 +4792,10 @@
               <a:t>URL: </a:t>
             </a:r>
             <a:r>
-              <a:rPr lang="en-US" i="1" dirty="0"/>
-              <a:t>https://ieeexplore.ieee.org/document/7877521</a:t>
+              <a:rPr lang="en-US" i="1" dirty="0">
+                <a:hlinkClick r:id="rId2"/>
+              </a:rPr>
+              <a:t>link</a:t>
             </a:r>
             <a:endParaRPr lang="en-IN" i="1" dirty="0"/>
           </a:p>
@@ -4893,7 +4907,7 @@
         <p:spPr>
           <a:xfrm>
             <a:off x="4114800" y="1504950"/>
-            <a:ext cx="4343400" cy="1200329"/>
+            <a:ext cx="4343400" cy="830997"/>
           </a:xfrm>
           <a:prstGeom prst="rect">
             <a:avLst/>
@@ -4922,7 +4936,7 @@
             </a:pPr>
             <a:r>
               <a:rPr lang="en-US" sz="2400" dirty="0"/>
-              <a:t>Tkinter package(An GUI for the Real time Example)</a:t>
+              <a:t>NS2 for Simulation Results</a:t>
             </a:r>
           </a:p>
         </p:txBody>
